--- a/XBOX2Classic/Manual.pptx
+++ b/XBOX2Classic/Manual.pptx
@@ -199,7 +199,7 @@
           <a:p>
             <a:fld id="{581C28D8-13B6-41C3-9F5F-0284C569C6F1}" type="datetimeFigureOut">
               <a:rPr kumimoji="1" lang="ja-JP" altLang="en-US" smtClean="0"/>
-              <a:t>2021/8/18</a:t>
+              <a:t>2021/8/21</a:t>
             </a:fld>
             <a:endParaRPr kumimoji="1" lang="ja-JP" altLang="en-US"/>
           </a:p>
@@ -854,7 +854,7 @@
           <a:p>
             <a:fld id="{B8625E62-B904-4691-B75E-EC1C32885285}" type="datetime1">
               <a:rPr kumimoji="1" lang="ja-JP" altLang="en-US" smtClean="0"/>
-              <a:t>2021/8/18</a:t>
+              <a:t>2021/8/21</a:t>
             </a:fld>
             <a:endParaRPr kumimoji="1" lang="ja-JP" altLang="en-US"/>
           </a:p>
@@ -1192,7 +1192,7 @@
           <a:p>
             <a:fld id="{A4C87007-2A40-4EFC-90A3-258EFA3C1001}" type="datetime1">
               <a:rPr kumimoji="1" lang="ja-JP" altLang="en-US" smtClean="0"/>
-              <a:t>2021/8/18</a:t>
+              <a:t>2021/8/21</a:t>
             </a:fld>
             <a:endParaRPr kumimoji="1" lang="ja-JP" altLang="en-US"/>
           </a:p>
@@ -1593,7 +1593,7 @@
           <a:p>
             <a:fld id="{0FE0D7FF-9203-4AA3-90FD-622674A14F90}" type="datetime1">
               <a:rPr kumimoji="1" lang="ja-JP" altLang="en-US" smtClean="0"/>
-              <a:t>2021/8/18</a:t>
+              <a:t>2021/8/21</a:t>
             </a:fld>
             <a:endParaRPr kumimoji="1" lang="ja-JP" altLang="en-US"/>
           </a:p>
@@ -1929,7 +1929,7 @@
           <a:p>
             <a:fld id="{D2D6E4D3-BEDB-4F35-876B-5B9AA41BFB5B}" type="datetime1">
               <a:rPr kumimoji="1" lang="ja-JP" altLang="en-US" smtClean="0"/>
-              <a:t>2021/8/18</a:t>
+              <a:t>2021/8/21</a:t>
             </a:fld>
             <a:endParaRPr kumimoji="1" lang="ja-JP" altLang="en-US"/>
           </a:p>
@@ -2249,7 +2249,7 @@
           <a:p>
             <a:fld id="{2ACD896E-FC14-4F25-BC47-18ABAEA9E1FE}" type="datetime1">
               <a:rPr kumimoji="1" lang="ja-JP" altLang="en-US" smtClean="0"/>
-              <a:t>2021/8/18</a:t>
+              <a:t>2021/8/21</a:t>
             </a:fld>
             <a:endParaRPr kumimoji="1" lang="ja-JP" altLang="en-US"/>
           </a:p>
@@ -2645,7 +2645,7 @@
           <a:p>
             <a:fld id="{54FC701B-2185-4987-B8E2-5507664B65F4}" type="datetime1">
               <a:rPr kumimoji="1" lang="ja-JP" altLang="en-US" smtClean="0"/>
-              <a:t>2021/8/18</a:t>
+              <a:t>2021/8/21</a:t>
             </a:fld>
             <a:endParaRPr kumimoji="1" lang="ja-JP" altLang="en-US"/>
           </a:p>
@@ -2934,7 +2934,7 @@
           <a:p>
             <a:fld id="{3FB4CDED-9617-418F-B546-D66B9BB6C35E}" type="datetime1">
               <a:rPr kumimoji="1" lang="ja-JP" altLang="en-US" smtClean="0"/>
-              <a:t>2021/8/18</a:t>
+              <a:t>2021/8/21</a:t>
             </a:fld>
             <a:endParaRPr kumimoji="1" lang="ja-JP" altLang="en-US"/>
           </a:p>
@@ -3228,7 +3228,7 @@
           <a:p>
             <a:fld id="{F5635D40-962A-46D7-8037-3F2900B5EB4D}" type="datetime1">
               <a:rPr kumimoji="1" lang="ja-JP" altLang="en-US" smtClean="0"/>
-              <a:t>2021/8/18</a:t>
+              <a:t>2021/8/21</a:t>
             </a:fld>
             <a:endParaRPr kumimoji="1" lang="ja-JP" altLang="en-US"/>
           </a:p>
@@ -3522,7 +3522,7 @@
           <a:p>
             <a:fld id="{741DA9A2-8356-4FFD-B66A-E38811049858}" type="datetime1">
               <a:rPr kumimoji="1" lang="ja-JP" altLang="en-US" smtClean="0"/>
-              <a:t>2021/8/18</a:t>
+              <a:t>2021/8/21</a:t>
             </a:fld>
             <a:endParaRPr kumimoji="1" lang="ja-JP" altLang="en-US"/>
           </a:p>
@@ -3851,7 +3851,7 @@
           <a:p>
             <a:fld id="{9DDE8989-88B8-4869-97D9-547531F13E13}" type="datetime1">
               <a:rPr kumimoji="1" lang="ja-JP" altLang="en-US" smtClean="0"/>
-              <a:t>2021/8/18</a:t>
+              <a:t>2021/8/21</a:t>
             </a:fld>
             <a:endParaRPr kumimoji="1" lang="ja-JP" altLang="en-US"/>
           </a:p>
@@ -4238,7 +4238,7 @@
           <a:p>
             <a:fld id="{81EC4031-B949-4300-AB3E-1551426E8631}" type="datetime1">
               <a:rPr kumimoji="1" lang="ja-JP" altLang="en-US" smtClean="0"/>
-              <a:t>2021/8/18</a:t>
+              <a:t>2021/8/21</a:t>
             </a:fld>
             <a:endParaRPr kumimoji="1" lang="ja-JP" altLang="en-US"/>
           </a:p>
@@ -4759,7 +4759,7 @@
           <a:p>
             <a:fld id="{F39E755E-A59D-4634-B604-E9BB568B1156}" type="datetime1">
               <a:rPr kumimoji="1" lang="ja-JP" altLang="en-US" smtClean="0"/>
-              <a:t>2021/8/18</a:t>
+              <a:t>2021/8/21</a:t>
             </a:fld>
             <a:endParaRPr kumimoji="1" lang="ja-JP" altLang="en-US"/>
           </a:p>
@@ -4964,7 +4964,7 @@
           <a:p>
             <a:fld id="{61DA38B3-7601-4256-ABFE-386B92B0EDB5}" type="datetime1">
               <a:rPr kumimoji="1" lang="ja-JP" altLang="en-US" smtClean="0"/>
-              <a:t>2021/8/18</a:t>
+              <a:t>2021/8/21</a:t>
             </a:fld>
             <a:endParaRPr kumimoji="1" lang="ja-JP" altLang="en-US"/>
           </a:p>
@@ -5141,7 +5141,7 @@
           <a:p>
             <a:fld id="{5A28ED6D-8A94-4DBA-8EF2-284D1A467CE8}" type="datetime1">
               <a:rPr kumimoji="1" lang="ja-JP" altLang="en-US" smtClean="0"/>
-              <a:t>2021/8/18</a:t>
+              <a:t>2021/8/21</a:t>
             </a:fld>
             <a:endParaRPr kumimoji="1" lang="ja-JP" altLang="en-US"/>
           </a:p>
@@ -5506,7 +5506,7 @@
           <a:p>
             <a:fld id="{B27B0317-28AF-43C5-8944-AADFA89E0149}" type="datetime1">
               <a:rPr kumimoji="1" lang="ja-JP" altLang="en-US" smtClean="0"/>
-              <a:t>2021/8/18</a:t>
+              <a:t>2021/8/21</a:t>
             </a:fld>
             <a:endParaRPr kumimoji="1" lang="ja-JP" altLang="en-US"/>
           </a:p>
@@ -5851,7 +5851,7 @@
           <a:p>
             <a:fld id="{A78D023C-C4FA-4CE8-B5BE-6798898EE377}" type="datetime1">
               <a:rPr kumimoji="1" lang="ja-JP" altLang="en-US" smtClean="0"/>
-              <a:t>2021/8/18</a:t>
+              <a:t>2021/8/21</a:t>
             </a:fld>
             <a:endParaRPr kumimoji="1" lang="ja-JP" altLang="en-US"/>
           </a:p>
@@ -8000,7 +8000,7 @@
           <a:p>
             <a:fld id="{99567159-F4A8-4352-915B-DDBEFEF4A4D6}" type="datetime1">
               <a:rPr kumimoji="1" lang="ja-JP" altLang="en-US" smtClean="0"/>
-              <a:t>2021/8/18</a:t>
+              <a:t>2021/8/21</a:t>
             </a:fld>
             <a:endParaRPr kumimoji="1" lang="ja-JP" altLang="en-US"/>
           </a:p>
@@ -8582,7 +8582,11 @@
             </a:r>
             <a:r>
               <a:rPr lang="en-US" altLang="ja-JP" dirty="0"/>
-              <a:t>- Rev 0.0.1</a:t>
+              <a:t>- </a:t>
+            </a:r>
+            <a:r>
+              <a:rPr lang="en-US" altLang="ja-JP"/>
+              <a:t>Rev 2.0</a:t>
             </a:r>
             <a:endParaRPr lang="ja-JP" altLang="en-US" dirty="0"/>
           </a:p>
@@ -9749,10 +9753,10 @@
       </p:sp>
       <p:pic>
         <p:nvPicPr>
-          <p:cNvPr id="9" name="図 8">
+          <p:cNvPr id="5" name="図 4">
             <a:extLst>
               <a:ext uri="{FF2B5EF4-FFF2-40B4-BE49-F238E27FC236}">
-                <a16:creationId xmlns:a16="http://schemas.microsoft.com/office/drawing/2014/main" id="{A84A70D2-139C-465C-B024-B3BCD65D4C51}"/>
+                <a16:creationId xmlns:a16="http://schemas.microsoft.com/office/drawing/2014/main" id="{9D9CAE97-1D8C-4083-AD03-019F6A616E7A}"/>
               </a:ext>
             </a:extLst>
           </p:cNvPr>
@@ -9769,8 +9773,8 @@
         </p:blipFill>
         <p:spPr>
           <a:xfrm>
-            <a:off x="3419698" y="1429900"/>
-            <a:ext cx="3572533" cy="5221394"/>
+            <a:off x="3533775" y="1528090"/>
+            <a:ext cx="4102419" cy="5063209"/>
           </a:xfrm>
           <a:prstGeom prst="rect">
             <a:avLst/>
